--- a/МНСК 2018/Презентация выступления.pptx
+++ b/МНСК 2018/Презентация выступления.pptx
@@ -116,6 +116,11 @@
       </a:defRPr>
     </a:lvl9pPr>
   </p:defaultTextStyle>
+  <p:extLst>
+    <p:ext uri="{EFAFB233-063F-42B5-8137-9DF3F51BA10A}">
+      <p15:sldGuideLst xmlns:p15="http://schemas.microsoft.com/office/powerpoint/2012/main"/>
+    </p:ext>
+  </p:extLst>
 </p:presentation>
 </file>
 
@@ -250,7 +255,7 @@
           <a:p>
             <a:fld id="{C7487A94-AFD2-43B5-805A-113F2A7B3EE5}" type="datetimeFigureOut">
               <a:rPr lang="ru-RU" smtClean="0"/>
-              <a:t>20.04.2018</a:t>
+              <a:t>21.04.2018</a:t>
             </a:fld>
             <a:endParaRPr lang="ru-RU"/>
           </a:p>
@@ -420,7 +425,7 @@
           <a:p>
             <a:fld id="{C7487A94-AFD2-43B5-805A-113F2A7B3EE5}" type="datetimeFigureOut">
               <a:rPr lang="ru-RU" smtClean="0"/>
-              <a:t>20.04.2018</a:t>
+              <a:t>21.04.2018</a:t>
             </a:fld>
             <a:endParaRPr lang="ru-RU"/>
           </a:p>
@@ -600,7 +605,7 @@
           <a:p>
             <a:fld id="{C7487A94-AFD2-43B5-805A-113F2A7B3EE5}" type="datetimeFigureOut">
               <a:rPr lang="ru-RU" smtClean="0"/>
-              <a:t>20.04.2018</a:t>
+              <a:t>21.04.2018</a:t>
             </a:fld>
             <a:endParaRPr lang="ru-RU"/>
           </a:p>
@@ -770,7 +775,7 @@
           <a:p>
             <a:fld id="{C7487A94-AFD2-43B5-805A-113F2A7B3EE5}" type="datetimeFigureOut">
               <a:rPr lang="ru-RU" smtClean="0"/>
-              <a:t>20.04.2018</a:t>
+              <a:t>21.04.2018</a:t>
             </a:fld>
             <a:endParaRPr lang="ru-RU"/>
           </a:p>
@@ -1016,7 +1021,7 @@
           <a:p>
             <a:fld id="{C7487A94-AFD2-43B5-805A-113F2A7B3EE5}" type="datetimeFigureOut">
               <a:rPr lang="ru-RU" smtClean="0"/>
-              <a:t>20.04.2018</a:t>
+              <a:t>21.04.2018</a:t>
             </a:fld>
             <a:endParaRPr lang="ru-RU"/>
           </a:p>
@@ -1248,7 +1253,7 @@
           <a:p>
             <a:fld id="{C7487A94-AFD2-43B5-805A-113F2A7B3EE5}" type="datetimeFigureOut">
               <a:rPr lang="ru-RU" smtClean="0"/>
-              <a:t>20.04.2018</a:t>
+              <a:t>21.04.2018</a:t>
             </a:fld>
             <a:endParaRPr lang="ru-RU"/>
           </a:p>
@@ -1615,7 +1620,7 @@
           <a:p>
             <a:fld id="{C7487A94-AFD2-43B5-805A-113F2A7B3EE5}" type="datetimeFigureOut">
               <a:rPr lang="ru-RU" smtClean="0"/>
-              <a:t>20.04.2018</a:t>
+              <a:t>21.04.2018</a:t>
             </a:fld>
             <a:endParaRPr lang="ru-RU"/>
           </a:p>
@@ -1733,7 +1738,7 @@
           <a:p>
             <a:fld id="{C7487A94-AFD2-43B5-805A-113F2A7B3EE5}" type="datetimeFigureOut">
               <a:rPr lang="ru-RU" smtClean="0"/>
-              <a:t>20.04.2018</a:t>
+              <a:t>21.04.2018</a:t>
             </a:fld>
             <a:endParaRPr lang="ru-RU"/>
           </a:p>
@@ -1828,7 +1833,7 @@
           <a:p>
             <a:fld id="{C7487A94-AFD2-43B5-805A-113F2A7B3EE5}" type="datetimeFigureOut">
               <a:rPr lang="ru-RU" smtClean="0"/>
-              <a:t>20.04.2018</a:t>
+              <a:t>21.04.2018</a:t>
             </a:fld>
             <a:endParaRPr lang="ru-RU"/>
           </a:p>
@@ -2105,7 +2110,7 @@
           <a:p>
             <a:fld id="{C7487A94-AFD2-43B5-805A-113F2A7B3EE5}" type="datetimeFigureOut">
               <a:rPr lang="ru-RU" smtClean="0"/>
-              <a:t>20.04.2018</a:t>
+              <a:t>21.04.2018</a:t>
             </a:fld>
             <a:endParaRPr lang="ru-RU"/>
           </a:p>
@@ -2358,7 +2363,7 @@
           <a:p>
             <a:fld id="{C7487A94-AFD2-43B5-805A-113F2A7B3EE5}" type="datetimeFigureOut">
               <a:rPr lang="ru-RU" smtClean="0"/>
-              <a:t>20.04.2018</a:t>
+              <a:t>21.04.2018</a:t>
             </a:fld>
             <a:endParaRPr lang="ru-RU"/>
           </a:p>
@@ -2571,7 +2576,7 @@
           <a:p>
             <a:fld id="{C7487A94-AFD2-43B5-805A-113F2A7B3EE5}" type="datetimeFigureOut">
               <a:rPr lang="ru-RU" smtClean="0"/>
-              <a:t>20.04.2018</a:t>
+              <a:t>21.04.2018</a:t>
             </a:fld>
             <a:endParaRPr lang="ru-RU"/>
           </a:p>
@@ -3228,8 +3233,8 @@
         </p:nvSpPr>
         <p:spPr>
           <a:xfrm>
-            <a:off x="1186248" y="1690688"/>
-            <a:ext cx="10167551" cy="4677161"/>
+            <a:off x="1186248" y="1416908"/>
+            <a:ext cx="10167551" cy="4695568"/>
           </a:xfrm>
           <a:prstGeom prst="rect">
             <a:avLst/>
@@ -3371,8 +3376,8 @@
         </p:nvSpPr>
         <p:spPr>
           <a:xfrm>
-            <a:off x="1186248" y="1690689"/>
-            <a:ext cx="10167551" cy="4092274"/>
+            <a:off x="1186248" y="2026508"/>
+            <a:ext cx="10167551" cy="4621427"/>
           </a:xfrm>
           <a:prstGeom prst="rect">
             <a:avLst/>
@@ -3408,25 +3413,67 @@
               </a:lnSpc>
             </a:pPr>
             <a:r>
+              <a:rPr lang="ru-RU" sz="2400" dirty="0" smtClean="0"/>
+              <a:t>В тесном сотрудничестве с преподавателем Английского языка, эта система успешно разработана и реализована студентом ВКИ НГУ Эккерт Николаем на его сайте. </a:t>
+            </a:r>
+            <a:r>
+              <a:rPr lang="ru-RU" sz="2400" dirty="0" err="1" smtClean="0"/>
+              <a:t>Двухэтапность</a:t>
+            </a:r>
+            <a:r>
+              <a:rPr lang="ru-RU" sz="2400" dirty="0" smtClean="0"/>
+              <a:t> данной системы позволяет закрепить и проверить уровень усвоения пройденного студентами материала и подготовить их к контрольному тестированию, объединяющему материал нескольких юнитов учебного пособия. Особо хочется отметить систему автоматизированной проверки, творчески реализованную Николаем. Эта система не только дисциплинирует студентов, приучая их к внимательности и системному подходу, но и существенно экономит время, затрачиваемое на проверку. В целом, данная разработка получила положительный обратный отзыв у целевой аудитории и подлежит дальнейшей реализации.</a:t>
+            </a:r>
+            <a:r>
+              <a:rPr lang="en-US" sz="2400" dirty="0" smtClean="0"/>
+              <a:t>” </a:t>
+            </a:r>
+          </a:p>
+          <a:p>
+            <a:pPr algn="r"/>
+            <a:endParaRPr lang="en-US" sz="2400" dirty="0"/>
+          </a:p>
+          <a:p>
+            <a:pPr algn="r"/>
+            <a:r>
+              <a:rPr lang="ru-RU" sz="2400" dirty="0" err="1" smtClean="0"/>
+              <a:t>Зав.секцией</a:t>
+            </a:r>
+            <a:r>
+              <a:rPr lang="ru-RU" sz="2400" dirty="0" smtClean="0"/>
+              <a:t> </a:t>
+            </a:r>
+            <a:r>
               <a:rPr lang="ru-RU" sz="2400" dirty="0"/>
-              <a:t>В тесном сотрудничестве с преподавателем Английского языка, эта система успешно разработана и реализована студентом ВКИ НГУ Эккерт Николаем на его сайте. </a:t>
+              <a:t>Английского языка кафедры </a:t>
             </a:r>
             <a:r>
               <a:rPr lang="ru-RU" sz="2400" dirty="0" err="1"/>
-              <a:t>Двухэтапность</a:t>
+              <a:t>СЭиГД</a:t>
             </a:r>
             <a:r>
               <a:rPr lang="ru-RU" sz="2400" dirty="0"/>
-              <a:t> данной системы позволяет закрепить и проверить уровень усвоения пройденного студентами материала и подготовить их к контрольному тестированию, объединяющему материал нескольких юнитов учебного пособия. Особо хочется отметить систему автоматизированной проверки, творчески реализованную Николаем. Эта система не только дисциплинирует студентов, приучая их к внимательности и системному подходу, но и существенно экономит время, затрачиваемое на проверку. В целом, данная разработка получила положительный обратный отзыв у целевой аудитории и подлежит дальнейшей </a:t>
+              <a:t> ВКИ НГУ, </a:t>
+            </a:r>
+          </a:p>
+          <a:p>
+            <a:pPr algn="r"/>
+            <a:r>
+              <a:rPr lang="ru-RU" sz="2400" dirty="0"/>
+              <a:t>доцент Кузнецова Е.В</a:t>
             </a:r>
             <a:r>
               <a:rPr lang="ru-RU" sz="2400" dirty="0" smtClean="0"/>
-              <a:t>реализации.</a:t>
-            </a:r>
-            <a:r>
-              <a:rPr lang="en-US" sz="2400" dirty="0" smtClean="0"/>
-              <a:t>”</a:t>
-            </a:r>
+              <a:t>.</a:t>
+            </a:r>
+            <a:endParaRPr lang="ru-RU" dirty="0"/>
+          </a:p>
+          <a:p>
+            <a:pPr>
+              <a:lnSpc>
+                <a:spcPct val="100000"/>
+              </a:lnSpc>
+            </a:pPr>
             <a:endParaRPr lang="ru-RU" sz="2400" dirty="0"/>
           </a:p>
         </p:txBody>

--- a/МНСК 2018/Презентация выступления.pptx
+++ b/МНСК 2018/Презентация выступления.pptx
@@ -3116,7 +3116,7 @@
           <a:p>
             <a:r>
               <a:rPr lang="ru-RU" dirty="0" smtClean="0"/>
-              <a:t>… после </a:t>
+              <a:t>После </a:t>
             </a:r>
             <a:endParaRPr lang="ru-RU" dirty="0"/>
           </a:p>
@@ -3264,7 +3264,7 @@
             </a:lvl1pPr>
           </a:lstStyle>
           <a:p>
-            <a:pPr>
+            <a:pPr algn="just">
               <a:lnSpc>
                 <a:spcPct val="120000"/>
               </a:lnSpc>
@@ -3282,7 +3282,15 @@
             </a:r>
             <a:r>
               <a:rPr lang="ru-RU" dirty="0"/>
-              <a:t>nikulux.ru посвящен решению чрезвычайно важной образовательной задачи – предоставление обучающей информации студентам по различным аспектам их будущей профессии в режиме онлайн. Предметная подается в доступной и увлекательной форме. Не обойден вниманием и такой гуманитарный предмет как Английский язык, важность и необходимость изучения которого будущими программистами трудно переоценить. Преподавание Английского языка в ВКИ НГУ имеет профессиональную направленность и ведется по аутентичным пособиям с применением современных интерактивных разработок. Замечательной идеей явилась разработка двухэтапной автоматизированной системы проведения и проверки текущего и контрольного тестирования по материалам УМК </a:t>
+              <a:t>nikulux.ru посвящен решению чрезвычайно важной образовательной задачи – предоставление обучающей информации студентам по различным аспектам их будущей профессии в режиме онлайн. </a:t>
+            </a:r>
+            <a:r>
+              <a:rPr lang="ru-RU" dirty="0" smtClean="0"/>
+              <a:t>Предметная область </a:t>
+            </a:r>
+            <a:r>
+              <a:rPr lang="ru-RU" dirty="0"/>
+              <a:t>подается в доступной и увлекательной форме. Не обойден вниманием и такой гуманитарный предмет как Английский язык, важность и необходимость изучения которого будущими программистами трудно переоценить. Преподавание Английского языка в ВКИ НГУ имеет профессиональную направленность и ведется по аутентичным пособиям с применением современных интерактивных разработок. Замечательной идеей явилась разработка двухэтапной автоматизированной системы проведения и проверки текущего и контрольного тестирования по материалам УМК </a:t>
             </a:r>
             <a:r>
               <a:rPr lang="ru-RU" dirty="0" err="1"/>
@@ -3306,6 +3314,13 @@
   <p:clrMapOvr>
     <a:masterClrMapping/>
   </p:clrMapOvr>
+  <p:timing>
+    <p:tnLst>
+      <p:par>
+        <p:cTn id="1" dur="indefinite" restart="never" nodeType="tmRoot"/>
+      </p:par>
+    </p:tnLst>
+  </p:timing>
 </p:sld>
 </file>
 
@@ -3407,7 +3422,7 @@
             </a:lvl1pPr>
           </a:lstStyle>
           <a:p>
-            <a:pPr>
+            <a:pPr algn="just">
               <a:lnSpc>
                 <a:spcPct val="100000"/>
               </a:lnSpc>
@@ -3488,6 +3503,13 @@
   <p:clrMapOvr>
     <a:masterClrMapping/>
   </p:clrMapOvr>
+  <p:timing>
+    <p:tnLst>
+      <p:par>
+        <p:cTn id="1" dur="indefinite" restart="never" nodeType="tmRoot"/>
+      </p:par>
+    </p:tnLst>
+  </p:timing>
 </p:sld>
 </file>
 
@@ -3547,6 +3569,13 @@
   <p:clrMapOvr>
     <a:masterClrMapping/>
   </p:clrMapOvr>
+  <p:timing>
+    <p:tnLst>
+      <p:par>
+        <p:cTn id="1" dur="indefinite" restart="never" nodeType="tmRoot"/>
+      </p:par>
+    </p:tnLst>
+  </p:timing>
 </p:sld>
 </file>
 
@@ -3993,11 +4022,15 @@
             </a:r>
             <a:r>
               <a:rPr lang="ru-RU" dirty="0" smtClean="0"/>
-              <a:t>по мнению </a:t>
+              <a:t>по </a:t>
+            </a:r>
+            <a:r>
+              <a:rPr lang="ru-RU" dirty="0" smtClean="0"/>
+              <a:t>мнению </a:t>
             </a:r>
             <a:r>
               <a:rPr lang="en-US" dirty="0" smtClean="0"/>
-              <a:t>https://spectrum.ieee.org</a:t>
+              <a:t>spectrum</a:t>
             </a:r>
             <a:endParaRPr lang="ru-RU" dirty="0"/>
           </a:p>
@@ -4437,6 +4470,13 @@
   <p:clrMapOvr>
     <a:masterClrMapping/>
   </p:clrMapOvr>
+  <p:timing>
+    <p:tnLst>
+      <p:par>
+        <p:cTn id="1" dur="indefinite" restart="never" nodeType="tmRoot"/>
+      </p:par>
+    </p:tnLst>
+  </p:timing>
 </p:sld>
 </file>
 
@@ -4482,7 +4522,7 @@
       </p:sp>
       <p:pic>
         <p:nvPicPr>
-          <p:cNvPr id="5" name="Рисунок 4"/>
+          <p:cNvPr id="6" name="Рисунок 5"/>
           <p:cNvPicPr>
             <a:picLocks noChangeAspect="1"/>
           </p:cNvPicPr>
@@ -4490,36 +4530,6 @@
         </p:nvPicPr>
         <p:blipFill>
           <a:blip r:embed="rId2">
-            <a:extLst>
-              <a:ext uri="{28A0092B-C50C-407E-A947-70E740481C1C}">
-                <a14:useLocalDpi xmlns:a14="http://schemas.microsoft.com/office/drawing/2010/main" val="0"/>
-              </a:ext>
-            </a:extLst>
-          </a:blip>
-          <a:stretch>
-            <a:fillRect/>
-          </a:stretch>
-        </p:blipFill>
-        <p:spPr>
-          <a:xfrm>
-            <a:off x="325784" y="1900756"/>
-            <a:ext cx="6511621" cy="4734822"/>
-          </a:xfrm>
-          <a:prstGeom prst="rect">
-            <a:avLst/>
-          </a:prstGeom>
-        </p:spPr>
-      </p:pic>
-      <p:pic>
-        <p:nvPicPr>
-          <p:cNvPr id="6" name="Рисунок 5"/>
-          <p:cNvPicPr>
-            <a:picLocks noChangeAspect="1"/>
-          </p:cNvPicPr>
-          <p:nvPr/>
-        </p:nvPicPr>
-        <p:blipFill>
-          <a:blip r:embed="rId3">
             <a:extLst>
               <a:ext uri="{28A0092B-C50C-407E-A947-70E740481C1C}">
                 <a14:useLocalDpi xmlns:a14="http://schemas.microsoft.com/office/drawing/2010/main" val="0"/>
@@ -4540,6 +4550,36 @@
           </a:prstGeom>
         </p:spPr>
       </p:pic>
+      <p:pic>
+        <p:nvPicPr>
+          <p:cNvPr id="3" name="Рисунок 2"/>
+          <p:cNvPicPr>
+            <a:picLocks noChangeAspect="1"/>
+          </p:cNvPicPr>
+          <p:nvPr/>
+        </p:nvPicPr>
+        <p:blipFill>
+          <a:blip r:embed="rId3">
+            <a:extLst>
+              <a:ext uri="{28A0092B-C50C-407E-A947-70E740481C1C}">
+                <a14:useLocalDpi xmlns:a14="http://schemas.microsoft.com/office/drawing/2010/main" val="0"/>
+              </a:ext>
+            </a:extLst>
+          </a:blip>
+          <a:stretch>
+            <a:fillRect/>
+          </a:stretch>
+        </p:blipFill>
+        <p:spPr>
+          <a:xfrm>
+            <a:off x="368598" y="1878225"/>
+            <a:ext cx="6700353" cy="4757351"/>
+          </a:xfrm>
+          <a:prstGeom prst="rect">
+            <a:avLst/>
+          </a:prstGeom>
+        </p:spPr>
+      </p:pic>
     </p:spTree>
     <p:extLst>
       <p:ext uri="{BB962C8B-B14F-4D97-AF65-F5344CB8AC3E}">
@@ -4550,6 +4590,13 @@
   <p:clrMapOvr>
     <a:masterClrMapping/>
   </p:clrMapOvr>
+  <p:timing>
+    <p:tnLst>
+      <p:par>
+        <p:cTn id="1" dur="indefinite" restart="never" nodeType="tmRoot"/>
+      </p:par>
+    </p:tnLst>
+  </p:timing>
 </p:sld>
 </file>
 
@@ -4578,7 +4625,7 @@
           </p:cNvPicPr>
           <p:nvPr/>
         </p:nvPicPr>
-        <p:blipFill>
+        <p:blipFill rotWithShape="1">
           <a:blip r:embed="rId2">
             <a:extLst>
               <a:ext uri="{28A0092B-C50C-407E-A947-70E740481C1C}">
@@ -4586,14 +4633,13 @@
               </a:ext>
             </a:extLst>
           </a:blip>
-          <a:stretch>
-            <a:fillRect/>
-          </a:stretch>
+          <a:srcRect l="5621"/>
+          <a:stretch/>
         </p:blipFill>
         <p:spPr>
           <a:xfrm>
-            <a:off x="1464695" y="1690688"/>
-            <a:ext cx="9262610" cy="4964078"/>
+            <a:off x="1725007" y="1690688"/>
+            <a:ext cx="8741986" cy="4964078"/>
           </a:xfrm>
           <a:prstGeom prst="rect">
             <a:avLst/>
@@ -4617,7 +4663,7 @@
           <a:p>
             <a:r>
               <a:rPr lang="ru-RU" dirty="0" smtClean="0"/>
-              <a:t>До …</a:t>
+              <a:t>До</a:t>
             </a:r>
             <a:endParaRPr lang="ru-RU" dirty="0"/>
           </a:p>
